--- a/resources/assets/document-templates/pl-PL/new.pptx
+++ b/resources/assets/document-templates/pl-PL/new.pptx
@@ -2715,7 +2715,7 @@
           <a:p>
             <a:r>
               <a:rPr lang="pl-PL" smtClean="0"/>
-              <a:t>Click icon to add picture</a:t>
+              <a:t>Kliknij ikonę, aby dodać obraz</a:t>
             </a:r>
             <a:endParaRPr lang="pl-PL" dirty="0"/>
           </a:p>
